--- a/PLPTH813Bioinformatis/2021/inclassProjects/inclass01_Covid19tree.pptx
+++ b/PLPTH813Bioinformatis/2021/inclassProjects/inclass01_Covid19tree.pptx
@@ -120,6 +120,11 @@
       </a:defRPr>
     </a:lvl9pPr>
   </p:defaultTextStyle>
+  <p:extLst>
+    <p:ext uri="{EFAFB233-063F-42B5-8137-9DF3F51BA10A}">
+      <p15:sldGuideLst xmlns:p15="http://schemas.microsoft.com/office/powerpoint/2012/main"/>
+    </p:ext>
+  </p:extLst>
 </p:presentation>
 </file>
 
@@ -205,7 +210,7 @@
           <a:p>
             <a:fld id="{8855602D-883D-CC4D-93B3-DEDFCD22325B}" type="datetimeFigureOut">
               <a:rPr lang="en-US" smtClean="0"/>
-              <a:t>3/21/21</a:t>
+              <a:t>3/22/21</a:t>
             </a:fld>
             <a:endParaRPr lang="en-US"/>
           </a:p>
@@ -715,7 +720,7 @@
           <a:p>
             <a:fld id="{5C8A62DC-34B9-8C44-926F-1DFCE40A3D12}" type="datetimeFigureOut">
               <a:rPr lang="en-US" smtClean="0"/>
-              <a:t>3/20/21</a:t>
+              <a:t>3/22/21</a:t>
             </a:fld>
             <a:endParaRPr lang="en-US"/>
           </a:p>
@@ -885,7 +890,7 @@
           <a:p>
             <a:fld id="{5C8A62DC-34B9-8C44-926F-1DFCE40A3D12}" type="datetimeFigureOut">
               <a:rPr lang="en-US" smtClean="0"/>
-              <a:t>3/20/21</a:t>
+              <a:t>3/22/21</a:t>
             </a:fld>
             <a:endParaRPr lang="en-US"/>
           </a:p>
@@ -1065,7 +1070,7 @@
           <a:p>
             <a:fld id="{5C8A62DC-34B9-8C44-926F-1DFCE40A3D12}" type="datetimeFigureOut">
               <a:rPr lang="en-US" smtClean="0"/>
-              <a:t>3/20/21</a:t>
+              <a:t>3/22/21</a:t>
             </a:fld>
             <a:endParaRPr lang="en-US"/>
           </a:p>
@@ -1235,7 +1240,7 @@
           <a:p>
             <a:fld id="{5C8A62DC-34B9-8C44-926F-1DFCE40A3D12}" type="datetimeFigureOut">
               <a:rPr lang="en-US" smtClean="0"/>
-              <a:t>3/20/21</a:t>
+              <a:t>3/22/21</a:t>
             </a:fld>
             <a:endParaRPr lang="en-US"/>
           </a:p>
@@ -1479,7 +1484,7 @@
           <a:p>
             <a:fld id="{5C8A62DC-34B9-8C44-926F-1DFCE40A3D12}" type="datetimeFigureOut">
               <a:rPr lang="en-US" smtClean="0"/>
-              <a:t>3/20/21</a:t>
+              <a:t>3/22/21</a:t>
             </a:fld>
             <a:endParaRPr lang="en-US"/>
           </a:p>
@@ -1711,7 +1716,7 @@
           <a:p>
             <a:fld id="{5C8A62DC-34B9-8C44-926F-1DFCE40A3D12}" type="datetimeFigureOut">
               <a:rPr lang="en-US" smtClean="0"/>
-              <a:t>3/20/21</a:t>
+              <a:t>3/22/21</a:t>
             </a:fld>
             <a:endParaRPr lang="en-US"/>
           </a:p>
@@ -2078,7 +2083,7 @@
           <a:p>
             <a:fld id="{5C8A62DC-34B9-8C44-926F-1DFCE40A3D12}" type="datetimeFigureOut">
               <a:rPr lang="en-US" smtClean="0"/>
-              <a:t>3/20/21</a:t>
+              <a:t>3/22/21</a:t>
             </a:fld>
             <a:endParaRPr lang="en-US"/>
           </a:p>
@@ -2196,7 +2201,7 @@
           <a:p>
             <a:fld id="{5C8A62DC-34B9-8C44-926F-1DFCE40A3D12}" type="datetimeFigureOut">
               <a:rPr lang="en-US" smtClean="0"/>
-              <a:t>3/20/21</a:t>
+              <a:t>3/22/21</a:t>
             </a:fld>
             <a:endParaRPr lang="en-US"/>
           </a:p>
@@ -2291,7 +2296,7 @@
           <a:p>
             <a:fld id="{5C8A62DC-34B9-8C44-926F-1DFCE40A3D12}" type="datetimeFigureOut">
               <a:rPr lang="en-US" smtClean="0"/>
-              <a:t>3/20/21</a:t>
+              <a:t>3/22/21</a:t>
             </a:fld>
             <a:endParaRPr lang="en-US"/>
           </a:p>
@@ -2568,7 +2573,7 @@
           <a:p>
             <a:fld id="{5C8A62DC-34B9-8C44-926F-1DFCE40A3D12}" type="datetimeFigureOut">
               <a:rPr lang="en-US" smtClean="0"/>
-              <a:t>3/20/21</a:t>
+              <a:t>3/22/21</a:t>
             </a:fld>
             <a:endParaRPr lang="en-US"/>
           </a:p>
@@ -2825,7 +2830,7 @@
           <a:p>
             <a:fld id="{5C8A62DC-34B9-8C44-926F-1DFCE40A3D12}" type="datetimeFigureOut">
               <a:rPr lang="en-US" smtClean="0"/>
-              <a:t>3/20/21</a:t>
+              <a:t>3/22/21</a:t>
             </a:fld>
             <a:endParaRPr lang="en-US"/>
           </a:p>
@@ -3038,7 +3043,7 @@
           <a:p>
             <a:fld id="{5C8A62DC-34B9-8C44-926F-1DFCE40A3D12}" type="datetimeFigureOut">
               <a:rPr lang="en-US" smtClean="0"/>
-              <a:t>3/20/21</a:t>
+              <a:t>3/22/21</a:t>
             </a:fld>
             <a:endParaRPr lang="en-US"/>
           </a:p>
@@ -4395,7 +4400,7 @@
               </a:lnSpc>
             </a:pPr>
             <a:r>
-              <a:rPr lang="en-US" dirty="0"/>
+              <a:rPr lang="en-US" sz="3200" dirty="0"/>
               <a:t>Each genome or sequence aligned to the reference genome</a:t>
             </a:r>
           </a:p>
@@ -4406,7 +4411,7 @@
               </a:lnSpc>
             </a:pPr>
             <a:r>
-              <a:rPr lang="en-US" dirty="0"/>
+              <a:rPr lang="en-US" sz="3200" dirty="0"/>
               <a:t>Alignments used for SNP discovery, or genotyping</a:t>
             </a:r>
           </a:p>
@@ -4417,19 +4422,12 @@
               </a:lnSpc>
             </a:pPr>
             <a:r>
-              <a:rPr lang="en-US" dirty="0"/>
-              <a:t>Data conversion to compatible SNP data for ape analysis</a:t>
-            </a:r>
-          </a:p>
-          <a:p>
-            <a:pPr>
-              <a:lnSpc>
-                <a:spcPct val="150000"/>
-              </a:lnSpc>
-            </a:pPr>
-            <a:r>
-              <a:rPr lang="en-US" dirty="0"/>
-              <a:t>Construction of a phylogenetic tree using ape</a:t>
+              <a:rPr lang="en-US" sz="3200" dirty="0"/>
+              <a:t>Construction of a phylogenetic tree using </a:t>
+            </a:r>
+            <a:r>
+              <a:rPr lang="en-US" sz="3200" i="1" dirty="0"/>
+              <a:t>ape</a:t>
             </a:r>
           </a:p>
         </p:txBody>
@@ -4779,7 +4777,7 @@
           <p:nvPr>
             <p:extLst>
               <p:ext uri="{D42A27DB-BD31-4B8C-83A1-F6EECF244321}">
-                <p14:modId xmlns:p14="http://schemas.microsoft.com/office/powerpoint/2010/main" val="364344438"/>
+                <p14:modId xmlns:p14="http://schemas.microsoft.com/office/powerpoint/2010/main" val="929732437"/>
               </p:ext>
             </p:extLst>
           </p:nvPr>
@@ -4792,7 +4790,7 @@
           <a:graphicData uri="http://schemas.openxmlformats.org/drawingml/2006/table">
             <a:tbl>
               <a:tblPr firstRow="1" bandRow="1">
-                <a:tableStyleId>{5C22544A-7EE6-4342-B048-85BDC9FD1C3A}</a:tableStyleId>
+                <a:tableStyleId>{C083E6E3-FA7D-4D7B-A595-EF9225AFEA82}</a:tableStyleId>
               </a:tblPr>
               <a:tblGrid>
                 <a:gridCol w="1422400">
@@ -5081,38 +5079,8 @@
         </p:blipFill>
         <p:spPr>
           <a:xfrm>
-            <a:off x="167208" y="1384902"/>
-            <a:ext cx="5498423" cy="3852862"/>
-          </a:xfrm>
-          <a:prstGeom prst="rect">
-            <a:avLst/>
-          </a:prstGeom>
-        </p:spPr>
-      </p:pic>
-      <p:pic>
-        <p:nvPicPr>
-          <p:cNvPr id="7" name="Picture 6" descr="A picture containing chart&#10;&#10;Description automatically generated">
-            <a:extLst>
-              <a:ext uri="{FF2B5EF4-FFF2-40B4-BE49-F238E27FC236}">
-                <a16:creationId xmlns:a16="http://schemas.microsoft.com/office/drawing/2014/main" id="{48880592-3C38-2247-9E28-A90227AF62FF}"/>
-              </a:ext>
-            </a:extLst>
-          </p:cNvPr>
-          <p:cNvPicPr>
-            <a:picLocks noChangeAspect="1"/>
-          </p:cNvPicPr>
-          <p:nvPr/>
-        </p:nvPicPr>
-        <p:blipFill>
-          <a:blip r:embed="rId3"/>
-          <a:stretch>
-            <a:fillRect/>
-          </a:stretch>
-        </p:blipFill>
-        <p:spPr>
-          <a:xfrm>
-            <a:off x="57498" y="5449371"/>
-            <a:ext cx="9029004" cy="1142356"/>
+            <a:off x="1713754" y="1641574"/>
+            <a:ext cx="6762981" cy="4738965"/>
           </a:xfrm>
           <a:prstGeom prst="rect">
             <a:avLst/>
@@ -5401,8 +5369,8 @@
         </p:nvSpPr>
         <p:spPr>
           <a:xfrm>
-            <a:off x="2891481" y="4923213"/>
-            <a:ext cx="3682314" cy="1569660"/>
+            <a:off x="2105417" y="6200485"/>
+            <a:ext cx="5623870" cy="584775"/>
           </a:xfrm>
           <a:prstGeom prst="rect">
             <a:avLst/>
@@ -5427,28 +5395,45 @@
               </a:rPr>
               <a:t>Kb</a:t>
             </a:r>
-            <a:endParaRPr lang="en-US" sz="3200" b="1" dirty="0">
-              <a:latin typeface="+mj-lt"/>
-            </a:endParaRPr>
-          </a:p>
-          <a:p>
             <a:r>
               <a:rPr lang="en-US" sz="3200" b="1" dirty="0">
                 <a:latin typeface="+mj-lt"/>
               </a:rPr>
-              <a:t>1 fragment</a:t>
-            </a:r>
-          </a:p>
-          <a:p>
-            <a:r>
-              <a:rPr lang="en-US" sz="3200" b="1" dirty="0">
-                <a:latin typeface="+mj-lt"/>
-              </a:rPr>
-              <a:t>11 genes</a:t>
-            </a:r>
-          </a:p>
-        </p:txBody>
-      </p:sp>
+              <a:t>, 1 fragment, 11 genes</a:t>
+            </a:r>
+          </a:p>
+        </p:txBody>
+      </p:sp>
+      <p:pic>
+        <p:nvPicPr>
+          <p:cNvPr id="5" name="Picture 4" descr="A picture containing chart&#10;&#10;Description automatically generated">
+            <a:extLst>
+              <a:ext uri="{FF2B5EF4-FFF2-40B4-BE49-F238E27FC236}">
+                <a16:creationId xmlns:a16="http://schemas.microsoft.com/office/drawing/2014/main" id="{2AA64165-4A5B-A644-9695-FB59C1BF8202}"/>
+              </a:ext>
+            </a:extLst>
+          </p:cNvPr>
+          <p:cNvPicPr>
+            <a:picLocks noChangeAspect="1"/>
+          </p:cNvPicPr>
+          <p:nvPr/>
+        </p:nvPicPr>
+        <p:blipFill>
+          <a:blip r:embed="rId3"/>
+          <a:stretch>
+            <a:fillRect/>
+          </a:stretch>
+        </p:blipFill>
+        <p:spPr>
+          <a:xfrm>
+            <a:off x="50828" y="4875091"/>
+            <a:ext cx="9029004" cy="1142356"/>
+          </a:xfrm>
+          <a:prstGeom prst="rect">
+            <a:avLst/>
+          </a:prstGeom>
+        </p:spPr>
+      </p:pic>
     </p:spTree>
     <p:extLst>
       <p:ext uri="{BB962C8B-B14F-4D97-AF65-F5344CB8AC3E}">

--- a/PLPTH813Bioinformatis/2021/inclassProjects/inclass01_Covid19tree.pptx
+++ b/PLPTH813Bioinformatis/2021/inclassProjects/inclass01_Covid19tree.pptx
@@ -478,6 +478,90 @@
 </file>
 
 <file path=ppt/notesSlides/notesSlide1.xml><?xml version="1.0" encoding="utf-8"?>
+<p:notes xmlns:a="http://schemas.openxmlformats.org/drawingml/2006/main" xmlns:r="http://schemas.openxmlformats.org/officeDocument/2006/relationships" xmlns:p="http://schemas.openxmlformats.org/presentationml/2006/main">
+  <p:cSld>
+    <p:spTree>
+      <p:nvGrpSpPr>
+        <p:cNvPr id="1" name=""/>
+        <p:cNvGrpSpPr/>
+        <p:nvPr/>
+      </p:nvGrpSpPr>
+      <p:grpSpPr>
+        <a:xfrm>
+          <a:off x="0" y="0"/>
+          <a:ext cx="0" cy="0"/>
+          <a:chOff x="0" y="0"/>
+          <a:chExt cx="0" cy="0"/>
+        </a:xfrm>
+      </p:grpSpPr>
+      <p:sp>
+        <p:nvSpPr>
+          <p:cNvPr id="2" name="Slide Image Placeholder 1"/>
+          <p:cNvSpPr>
+            <a:spLocks noGrp="1" noRot="1" noChangeAspect="1"/>
+          </p:cNvSpPr>
+          <p:nvPr>
+            <p:ph type="sldImg"/>
+          </p:nvPr>
+        </p:nvSpPr>
+        <p:spPr/>
+      </p:sp>
+      <p:sp>
+        <p:nvSpPr>
+          <p:cNvPr id="3" name="Notes Placeholder 2"/>
+          <p:cNvSpPr>
+            <a:spLocks noGrp="1"/>
+          </p:cNvSpPr>
+          <p:nvPr>
+            <p:ph type="body" idx="1"/>
+          </p:nvPr>
+        </p:nvSpPr>
+        <p:spPr/>
+        <p:txBody>
+          <a:bodyPr/>
+          <a:lstStyle/>
+          <a:p>
+            <a:endParaRPr lang="en-US" dirty="0"/>
+          </a:p>
+        </p:txBody>
+      </p:sp>
+      <p:sp>
+        <p:nvSpPr>
+          <p:cNvPr id="4" name="Slide Number Placeholder 3"/>
+          <p:cNvSpPr>
+            <a:spLocks noGrp="1"/>
+          </p:cNvSpPr>
+          <p:nvPr>
+            <p:ph type="sldNum" sz="quarter" idx="5"/>
+          </p:nvPr>
+        </p:nvSpPr>
+        <p:spPr/>
+        <p:txBody>
+          <a:bodyPr/>
+          <a:lstStyle/>
+          <a:p>
+            <a:fld id="{05BC6DBA-3023-8A45-AEFA-36DB5A24FF80}" type="slidenum">
+              <a:rPr lang="en-US" smtClean="0"/>
+              <a:t>4</a:t>
+            </a:fld>
+            <a:endParaRPr lang="en-US"/>
+          </a:p>
+        </p:txBody>
+      </p:sp>
+    </p:spTree>
+    <p:extLst>
+      <p:ext uri="{BB962C8B-B14F-4D97-AF65-F5344CB8AC3E}">
+        <p14:creationId xmlns:p14="http://schemas.microsoft.com/office/powerpoint/2010/main" val="3841349482"/>
+      </p:ext>
+    </p:extLst>
+  </p:cSld>
+  <p:clrMapOvr>
+    <a:masterClrMapping/>
+  </p:clrMapOvr>
+</p:notes>
+</file>
+
+<file path=ppt/notesSlides/notesSlide2.xml><?xml version="1.0" encoding="utf-8"?>
 <p:notes xmlns:a="http://schemas.openxmlformats.org/drawingml/2006/main" xmlns:r="http://schemas.openxmlformats.org/officeDocument/2006/relationships" xmlns:p="http://schemas.openxmlformats.org/presentationml/2006/main">
   <p:cSld>
     <p:spTree>
@@ -5072,7 +5156,7 @@
           <p:nvPr/>
         </p:nvPicPr>
         <p:blipFill>
-          <a:blip r:embed="rId2"/>
+          <a:blip r:embed="rId3"/>
           <a:stretch>
             <a:fillRect/>
           </a:stretch>
@@ -5281,7 +5365,7 @@
         <p:spPr>
           <a:xfrm>
             <a:off x="628650" y="1288457"/>
-            <a:ext cx="7886700" cy="3586634"/>
+            <a:ext cx="7886700" cy="3091038"/>
           </a:xfrm>
         </p:spPr>
         <p:txBody>
@@ -5289,14 +5373,6 @@
             <a:normAutofit/>
           </a:bodyPr>
           <a:lstStyle/>
-          <a:p>
-            <a:r>
-              <a:rPr lang="en-US" b="1" dirty="0">
-                <a:latin typeface="+mj-lt"/>
-              </a:rPr>
-              <a:t>ASM985889v3</a:t>
-            </a:r>
-          </a:p>
           <a:p>
             <a:r>
               <a:rPr lang="en-US" dirty="0">
@@ -5369,7 +5445,7 @@
         </p:nvSpPr>
         <p:spPr>
           <a:xfrm>
-            <a:off x="2105417" y="6200485"/>
+            <a:off x="2153543" y="5908098"/>
             <a:ext cx="5623870" cy="584775"/>
           </a:xfrm>
           <a:prstGeom prst="rect">
@@ -5426,7 +5502,7 @@
         </p:blipFill>
         <p:spPr>
           <a:xfrm>
-            <a:off x="50828" y="4875091"/>
+            <a:off x="57498" y="4656065"/>
             <a:ext cx="9029004" cy="1142356"/>
           </a:xfrm>
           <a:prstGeom prst="rect">

--- a/PLPTH813Bioinformatis/2021/inclassProjects/inclass01_Covid19tree.pptx
+++ b/PLPTH813Bioinformatis/2021/inclassProjects/inclass01_Covid19tree.pptx
@@ -664,6 +664,90 @@
     <p:extLst>
       <p:ext uri="{BB962C8B-B14F-4D97-AF65-F5344CB8AC3E}">
         <p14:creationId xmlns:p14="http://schemas.microsoft.com/office/powerpoint/2010/main" val="3628400913"/>
+      </p:ext>
+    </p:extLst>
+  </p:cSld>
+  <p:clrMapOvr>
+    <a:masterClrMapping/>
+  </p:clrMapOvr>
+</p:notes>
+</file>
+
+<file path=ppt/notesSlides/notesSlide3.xml><?xml version="1.0" encoding="utf-8"?>
+<p:notes xmlns:a="http://schemas.openxmlformats.org/drawingml/2006/main" xmlns:r="http://schemas.openxmlformats.org/officeDocument/2006/relationships" xmlns:p="http://schemas.openxmlformats.org/presentationml/2006/main">
+  <p:cSld>
+    <p:spTree>
+      <p:nvGrpSpPr>
+        <p:cNvPr id="1" name=""/>
+        <p:cNvGrpSpPr/>
+        <p:nvPr/>
+      </p:nvGrpSpPr>
+      <p:grpSpPr>
+        <a:xfrm>
+          <a:off x="0" y="0"/>
+          <a:ext cx="0" cy="0"/>
+          <a:chOff x="0" y="0"/>
+          <a:chExt cx="0" cy="0"/>
+        </a:xfrm>
+      </p:grpSpPr>
+      <p:sp>
+        <p:nvSpPr>
+          <p:cNvPr id="2" name="Slide Image Placeholder 1"/>
+          <p:cNvSpPr>
+            <a:spLocks noGrp="1" noRot="1" noChangeAspect="1"/>
+          </p:cNvSpPr>
+          <p:nvPr>
+            <p:ph type="sldImg"/>
+          </p:nvPr>
+        </p:nvSpPr>
+        <p:spPr/>
+      </p:sp>
+      <p:sp>
+        <p:nvSpPr>
+          <p:cNvPr id="3" name="Notes Placeholder 2"/>
+          <p:cNvSpPr>
+            <a:spLocks noGrp="1"/>
+          </p:cNvSpPr>
+          <p:nvPr>
+            <p:ph type="body" idx="1"/>
+          </p:nvPr>
+        </p:nvSpPr>
+        <p:spPr/>
+        <p:txBody>
+          <a:bodyPr/>
+          <a:lstStyle/>
+          <a:p>
+            <a:endParaRPr lang="en-US" dirty="0"/>
+          </a:p>
+        </p:txBody>
+      </p:sp>
+      <p:sp>
+        <p:nvSpPr>
+          <p:cNvPr id="4" name="Slide Number Placeholder 3"/>
+          <p:cNvSpPr>
+            <a:spLocks noGrp="1"/>
+          </p:cNvSpPr>
+          <p:nvPr>
+            <p:ph type="sldNum" sz="quarter" idx="5"/>
+          </p:nvPr>
+        </p:nvSpPr>
+        <p:spPr/>
+        <p:txBody>
+          <a:bodyPr/>
+          <a:lstStyle/>
+          <a:p>
+            <a:fld id="{05BC6DBA-3023-8A45-AEFA-36DB5A24FF80}" type="slidenum">
+              <a:rPr lang="en-US" smtClean="0"/>
+              <a:t>14</a:t>
+            </a:fld>
+            <a:endParaRPr lang="en-US"/>
+          </a:p>
+        </p:txBody>
+      </p:sp>
+    </p:spTree>
+    <p:extLst>
+      <p:ext uri="{BB962C8B-B14F-4D97-AF65-F5344CB8AC3E}">
+        <p14:creationId xmlns:p14="http://schemas.microsoft.com/office/powerpoint/2010/main" val="269592863"/>
       </p:ext>
     </p:extLst>
   </p:cSld>
@@ -4321,6 +4405,16 @@
               </a:rPr>
               <a:t>itol</a:t>
             </a:r>
+            <a:r>
+              <a:rPr lang="en-US" sz="3200" dirty="0"/>
+              <a:t> or </a:t>
+            </a:r>
+            <a:r>
+              <a:rPr lang="en-US" sz="3200" dirty="0" err="1">
+                <a:hlinkClick r:id="rId3"/>
+              </a:rPr>
+              <a:t>figtree</a:t>
+            </a:r>
             <a:endParaRPr lang="en-US" sz="3200" dirty="0"/>
           </a:p>
         </p:txBody>
@@ -4340,7 +4434,7 @@
           <p:nvPr/>
         </p:nvPicPr>
         <p:blipFill>
-          <a:blip r:embed="rId3"/>
+          <a:blip r:embed="rId4"/>
           <a:stretch>
             <a:fillRect/>
           </a:stretch>
@@ -4370,7 +4464,7 @@
           <p:nvPr/>
         </p:nvPicPr>
         <p:blipFill>
-          <a:blip r:embed="rId4"/>
+          <a:blip r:embed="rId5"/>
           <a:stretch>
             <a:fillRect/>
           </a:stretch>
